--- a/ppt 16-9/0920.你我同行.pptx
+++ b/ppt 16-9/0920.你我同行.pptx
@@ -129,7 +129,7 @@
           <p:cNvPr id="2" name="标题 1">
             <a:extLst>
               <a:ext uri="{FF2B5EF4-FFF2-40B4-BE49-F238E27FC236}">
-                <a16:creationId xmlns:a16="http://schemas.microsoft.com/office/drawing/2014/main" id="{777D24DF-8C8B-56B6-351A-7A150385B501}"/>
+                <a16:creationId xmlns:a16="http://schemas.microsoft.com/office/drawing/2014/main" id="{EBF63D1E-4D81-2493-D662-B0A2B093BD69}"/>
               </a:ext>
             </a:extLst>
           </p:cNvPr>
@@ -166,7 +166,7 @@
           <p:cNvPr id="3" name="副标题 2">
             <a:extLst>
               <a:ext uri="{FF2B5EF4-FFF2-40B4-BE49-F238E27FC236}">
-                <a16:creationId xmlns:a16="http://schemas.microsoft.com/office/drawing/2014/main" id="{796529D5-3A6D-BF27-509C-189A1837F62B}"/>
+                <a16:creationId xmlns:a16="http://schemas.microsoft.com/office/drawing/2014/main" id="{0E06112C-C7C3-FAC5-7398-0A5DE905E7D3}"/>
               </a:ext>
             </a:extLst>
           </p:cNvPr>
@@ -236,7 +236,7 @@
           <p:cNvPr id="4" name="日期占位符 3">
             <a:extLst>
               <a:ext uri="{FF2B5EF4-FFF2-40B4-BE49-F238E27FC236}">
-                <a16:creationId xmlns:a16="http://schemas.microsoft.com/office/drawing/2014/main" id="{7A9308A8-1C3E-07CD-64A1-393BDED2F1CC}"/>
+                <a16:creationId xmlns:a16="http://schemas.microsoft.com/office/drawing/2014/main" id="{613C63B2-D686-612D-0D2F-C9E441CA6896}"/>
               </a:ext>
             </a:extLst>
           </p:cNvPr>
@@ -252,7 +252,7 @@
           <a:bodyPr/>
           <a:lstStyle/>
           <a:p>
-            <a:fld id="{6387A5DD-A061-4BD4-A86D-42EFDD62B337}" type="datetimeFigureOut">
+            <a:fld id="{0AF38B51-B5D2-4C20-8F31-845695982279}" type="datetimeFigureOut">
               <a:rPr lang="zh-CN" altLang="en-US" smtClean="0"/>
               <a:t>2024/3/10</a:t>
             </a:fld>
@@ -265,7 +265,7 @@
           <p:cNvPr id="5" name="页脚占位符 4">
             <a:extLst>
               <a:ext uri="{FF2B5EF4-FFF2-40B4-BE49-F238E27FC236}">
-                <a16:creationId xmlns:a16="http://schemas.microsoft.com/office/drawing/2014/main" id="{204E0D65-2BD4-5DE5-AF19-7058462AD2C5}"/>
+                <a16:creationId xmlns:a16="http://schemas.microsoft.com/office/drawing/2014/main" id="{21BD0DF0-4BEA-58A6-9BA5-D492D5C3DEBA}"/>
               </a:ext>
             </a:extLst>
           </p:cNvPr>
@@ -290,7 +290,7 @@
           <p:cNvPr id="6" name="灯片编号占位符 5">
             <a:extLst>
               <a:ext uri="{FF2B5EF4-FFF2-40B4-BE49-F238E27FC236}">
-                <a16:creationId xmlns:a16="http://schemas.microsoft.com/office/drawing/2014/main" id="{54ADBDC9-27A3-59B8-167E-4080C835A9A4}"/>
+                <a16:creationId xmlns:a16="http://schemas.microsoft.com/office/drawing/2014/main" id="{FE9CC41A-A743-9EC1-1320-03342AF73A0A}"/>
               </a:ext>
             </a:extLst>
           </p:cNvPr>
@@ -306,7 +306,7 @@
           <a:bodyPr/>
           <a:lstStyle/>
           <a:p>
-            <a:fld id="{4370A568-126F-4E77-9905-BACDB47F2740}" type="slidenum">
+            <a:fld id="{15B8B6D1-A881-4041-9389-393280CBD316}" type="slidenum">
               <a:rPr lang="zh-CN" altLang="en-US" smtClean="0"/>
               <a:t>‹#›</a:t>
             </a:fld>
@@ -317,7 +317,7 @@
     </p:spTree>
     <p:extLst>
       <p:ext uri="{BB962C8B-B14F-4D97-AF65-F5344CB8AC3E}">
-        <p14:creationId xmlns:p14="http://schemas.microsoft.com/office/powerpoint/2010/main" val="2881167132"/>
+        <p14:creationId xmlns:p14="http://schemas.microsoft.com/office/powerpoint/2010/main" val="2717179114"/>
       </p:ext>
     </p:extLst>
   </p:cSld>
@@ -349,7 +349,7 @@
           <p:cNvPr id="2" name="标题 1">
             <a:extLst>
               <a:ext uri="{FF2B5EF4-FFF2-40B4-BE49-F238E27FC236}">
-                <a16:creationId xmlns:a16="http://schemas.microsoft.com/office/drawing/2014/main" id="{605BBCE8-0236-4D87-CA58-A270E3CB8D96}"/>
+                <a16:creationId xmlns:a16="http://schemas.microsoft.com/office/drawing/2014/main" id="{974E218E-1209-B7FF-3BB0-BE14D66CA6B4}"/>
               </a:ext>
             </a:extLst>
           </p:cNvPr>
@@ -377,7 +377,7 @@
           <p:cNvPr id="3" name="竖排文字占位符 2">
             <a:extLst>
               <a:ext uri="{FF2B5EF4-FFF2-40B4-BE49-F238E27FC236}">
-                <a16:creationId xmlns:a16="http://schemas.microsoft.com/office/drawing/2014/main" id="{45C301CC-5E18-236B-2F83-A7A265A18C12}"/>
+                <a16:creationId xmlns:a16="http://schemas.microsoft.com/office/drawing/2014/main" id="{BA35F83B-9096-9092-5633-86125FBF50ED}"/>
               </a:ext>
             </a:extLst>
           </p:cNvPr>
@@ -434,7 +434,7 @@
           <p:cNvPr id="4" name="日期占位符 3">
             <a:extLst>
               <a:ext uri="{FF2B5EF4-FFF2-40B4-BE49-F238E27FC236}">
-                <a16:creationId xmlns:a16="http://schemas.microsoft.com/office/drawing/2014/main" id="{FBAAB0FD-DA25-5B5C-91E3-C162D71FE887}"/>
+                <a16:creationId xmlns:a16="http://schemas.microsoft.com/office/drawing/2014/main" id="{A80EB442-870B-0726-6BBC-ECEB05FFC228}"/>
               </a:ext>
             </a:extLst>
           </p:cNvPr>
@@ -450,7 +450,7 @@
           <a:bodyPr/>
           <a:lstStyle/>
           <a:p>
-            <a:fld id="{6387A5DD-A061-4BD4-A86D-42EFDD62B337}" type="datetimeFigureOut">
+            <a:fld id="{0AF38B51-B5D2-4C20-8F31-845695982279}" type="datetimeFigureOut">
               <a:rPr lang="zh-CN" altLang="en-US" smtClean="0"/>
               <a:t>2024/3/10</a:t>
             </a:fld>
@@ -463,7 +463,7 @@
           <p:cNvPr id="5" name="页脚占位符 4">
             <a:extLst>
               <a:ext uri="{FF2B5EF4-FFF2-40B4-BE49-F238E27FC236}">
-                <a16:creationId xmlns:a16="http://schemas.microsoft.com/office/drawing/2014/main" id="{5A3942D6-7E67-B0E9-DE36-FFF0A8A37057}"/>
+                <a16:creationId xmlns:a16="http://schemas.microsoft.com/office/drawing/2014/main" id="{C801D441-A448-D504-817F-D26E6709F634}"/>
               </a:ext>
             </a:extLst>
           </p:cNvPr>
@@ -488,7 +488,7 @@
           <p:cNvPr id="6" name="灯片编号占位符 5">
             <a:extLst>
               <a:ext uri="{FF2B5EF4-FFF2-40B4-BE49-F238E27FC236}">
-                <a16:creationId xmlns:a16="http://schemas.microsoft.com/office/drawing/2014/main" id="{F1E81372-2CAF-C117-63F7-0738A95FD3C1}"/>
+                <a16:creationId xmlns:a16="http://schemas.microsoft.com/office/drawing/2014/main" id="{B747B7C4-7E94-2E76-E80B-024A55C51F77}"/>
               </a:ext>
             </a:extLst>
           </p:cNvPr>
@@ -504,7 +504,7 @@
           <a:bodyPr/>
           <a:lstStyle/>
           <a:p>
-            <a:fld id="{4370A568-126F-4E77-9905-BACDB47F2740}" type="slidenum">
+            <a:fld id="{15B8B6D1-A881-4041-9389-393280CBD316}" type="slidenum">
               <a:rPr lang="zh-CN" altLang="en-US" smtClean="0"/>
               <a:t>‹#›</a:t>
             </a:fld>
@@ -515,7 +515,7 @@
     </p:spTree>
     <p:extLst>
       <p:ext uri="{BB962C8B-B14F-4D97-AF65-F5344CB8AC3E}">
-        <p14:creationId xmlns:p14="http://schemas.microsoft.com/office/powerpoint/2010/main" val="3330312220"/>
+        <p14:creationId xmlns:p14="http://schemas.microsoft.com/office/powerpoint/2010/main" val="3390444089"/>
       </p:ext>
     </p:extLst>
   </p:cSld>
@@ -547,7 +547,7 @@
           <p:cNvPr id="2" name="竖排标题 1">
             <a:extLst>
               <a:ext uri="{FF2B5EF4-FFF2-40B4-BE49-F238E27FC236}">
-                <a16:creationId xmlns:a16="http://schemas.microsoft.com/office/drawing/2014/main" id="{2A8F87DB-1F7C-80D3-A65F-081610E15F3A}"/>
+                <a16:creationId xmlns:a16="http://schemas.microsoft.com/office/drawing/2014/main" id="{99140277-150B-FBE9-7D39-68E7D54E36EC}"/>
               </a:ext>
             </a:extLst>
           </p:cNvPr>
@@ -580,7 +580,7 @@
           <p:cNvPr id="3" name="竖排文字占位符 2">
             <a:extLst>
               <a:ext uri="{FF2B5EF4-FFF2-40B4-BE49-F238E27FC236}">
-                <a16:creationId xmlns:a16="http://schemas.microsoft.com/office/drawing/2014/main" id="{9DA588A4-2AE2-F114-C91E-711977F81517}"/>
+                <a16:creationId xmlns:a16="http://schemas.microsoft.com/office/drawing/2014/main" id="{8EB1CFC9-B3B7-EE2B-985C-8460A23DF17E}"/>
               </a:ext>
             </a:extLst>
           </p:cNvPr>
@@ -642,7 +642,7 @@
           <p:cNvPr id="4" name="日期占位符 3">
             <a:extLst>
               <a:ext uri="{FF2B5EF4-FFF2-40B4-BE49-F238E27FC236}">
-                <a16:creationId xmlns:a16="http://schemas.microsoft.com/office/drawing/2014/main" id="{EFCDB625-2380-ABAA-657C-28062ACCD39C}"/>
+                <a16:creationId xmlns:a16="http://schemas.microsoft.com/office/drawing/2014/main" id="{19B45ED1-54AE-35D9-CD4D-4966C53BF6EE}"/>
               </a:ext>
             </a:extLst>
           </p:cNvPr>
@@ -658,7 +658,7 @@
           <a:bodyPr/>
           <a:lstStyle/>
           <a:p>
-            <a:fld id="{6387A5DD-A061-4BD4-A86D-42EFDD62B337}" type="datetimeFigureOut">
+            <a:fld id="{0AF38B51-B5D2-4C20-8F31-845695982279}" type="datetimeFigureOut">
               <a:rPr lang="zh-CN" altLang="en-US" smtClean="0"/>
               <a:t>2024/3/10</a:t>
             </a:fld>
@@ -671,7 +671,7 @@
           <p:cNvPr id="5" name="页脚占位符 4">
             <a:extLst>
               <a:ext uri="{FF2B5EF4-FFF2-40B4-BE49-F238E27FC236}">
-                <a16:creationId xmlns:a16="http://schemas.microsoft.com/office/drawing/2014/main" id="{F6C918BD-AE55-3BD8-3B1F-26B9410C7EC0}"/>
+                <a16:creationId xmlns:a16="http://schemas.microsoft.com/office/drawing/2014/main" id="{594CA6D9-CDE0-E7FE-7296-878CB3239CC5}"/>
               </a:ext>
             </a:extLst>
           </p:cNvPr>
@@ -696,7 +696,7 @@
           <p:cNvPr id="6" name="灯片编号占位符 5">
             <a:extLst>
               <a:ext uri="{FF2B5EF4-FFF2-40B4-BE49-F238E27FC236}">
-                <a16:creationId xmlns:a16="http://schemas.microsoft.com/office/drawing/2014/main" id="{F32491E2-3471-4C65-6A33-AA6FD9A57FF0}"/>
+                <a16:creationId xmlns:a16="http://schemas.microsoft.com/office/drawing/2014/main" id="{0BB31514-1552-DF1A-9397-D04FD844EC18}"/>
               </a:ext>
             </a:extLst>
           </p:cNvPr>
@@ -712,7 +712,7 @@
           <a:bodyPr/>
           <a:lstStyle/>
           <a:p>
-            <a:fld id="{4370A568-126F-4E77-9905-BACDB47F2740}" type="slidenum">
+            <a:fld id="{15B8B6D1-A881-4041-9389-393280CBD316}" type="slidenum">
               <a:rPr lang="zh-CN" altLang="en-US" smtClean="0"/>
               <a:t>‹#›</a:t>
             </a:fld>
@@ -723,7 +723,7 @@
     </p:spTree>
     <p:extLst>
       <p:ext uri="{BB962C8B-B14F-4D97-AF65-F5344CB8AC3E}">
-        <p14:creationId xmlns:p14="http://schemas.microsoft.com/office/powerpoint/2010/main" val="2428434696"/>
+        <p14:creationId xmlns:p14="http://schemas.microsoft.com/office/powerpoint/2010/main" val="3105204695"/>
       </p:ext>
     </p:extLst>
   </p:cSld>
@@ -755,7 +755,7 @@
           <p:cNvPr id="2" name="标题 1">
             <a:extLst>
               <a:ext uri="{FF2B5EF4-FFF2-40B4-BE49-F238E27FC236}">
-                <a16:creationId xmlns:a16="http://schemas.microsoft.com/office/drawing/2014/main" id="{085AF3FD-3564-E4A4-8BD1-C1DE9D670390}"/>
+                <a16:creationId xmlns:a16="http://schemas.microsoft.com/office/drawing/2014/main" id="{9E8953B3-4A36-5DEA-D9C7-EBA88D00940F}"/>
               </a:ext>
             </a:extLst>
           </p:cNvPr>
@@ -783,7 +783,7 @@
           <p:cNvPr id="3" name="内容占位符 2">
             <a:extLst>
               <a:ext uri="{FF2B5EF4-FFF2-40B4-BE49-F238E27FC236}">
-                <a16:creationId xmlns:a16="http://schemas.microsoft.com/office/drawing/2014/main" id="{420CFDFF-3359-7BD8-199D-50A426058858}"/>
+                <a16:creationId xmlns:a16="http://schemas.microsoft.com/office/drawing/2014/main" id="{2E07B2FD-C859-B0A9-F8EF-32085D9D2F8F}"/>
               </a:ext>
             </a:extLst>
           </p:cNvPr>
@@ -840,7 +840,7 @@
           <p:cNvPr id="4" name="日期占位符 3">
             <a:extLst>
               <a:ext uri="{FF2B5EF4-FFF2-40B4-BE49-F238E27FC236}">
-                <a16:creationId xmlns:a16="http://schemas.microsoft.com/office/drawing/2014/main" id="{91C61987-0993-EAF3-77CA-3A3ECB2BD278}"/>
+                <a16:creationId xmlns:a16="http://schemas.microsoft.com/office/drawing/2014/main" id="{2551B723-86BA-5AA3-8117-01E08DB3FC34}"/>
               </a:ext>
             </a:extLst>
           </p:cNvPr>
@@ -856,7 +856,7 @@
           <a:bodyPr/>
           <a:lstStyle/>
           <a:p>
-            <a:fld id="{6387A5DD-A061-4BD4-A86D-42EFDD62B337}" type="datetimeFigureOut">
+            <a:fld id="{0AF38B51-B5D2-4C20-8F31-845695982279}" type="datetimeFigureOut">
               <a:rPr lang="zh-CN" altLang="en-US" smtClean="0"/>
               <a:t>2024/3/10</a:t>
             </a:fld>
@@ -869,7 +869,7 @@
           <p:cNvPr id="5" name="页脚占位符 4">
             <a:extLst>
               <a:ext uri="{FF2B5EF4-FFF2-40B4-BE49-F238E27FC236}">
-                <a16:creationId xmlns:a16="http://schemas.microsoft.com/office/drawing/2014/main" id="{2C793FFE-83B8-3DE1-AAA2-DE505006C16D}"/>
+                <a16:creationId xmlns:a16="http://schemas.microsoft.com/office/drawing/2014/main" id="{BB64A2E0-C7F6-472E-D9E6-44B63C99F7BC}"/>
               </a:ext>
             </a:extLst>
           </p:cNvPr>
@@ -894,7 +894,7 @@
           <p:cNvPr id="6" name="灯片编号占位符 5">
             <a:extLst>
               <a:ext uri="{FF2B5EF4-FFF2-40B4-BE49-F238E27FC236}">
-                <a16:creationId xmlns:a16="http://schemas.microsoft.com/office/drawing/2014/main" id="{00E25A25-C9BF-91F6-5FA7-9551A55FB954}"/>
+                <a16:creationId xmlns:a16="http://schemas.microsoft.com/office/drawing/2014/main" id="{E7CC7626-818B-6A83-8C33-FED3FD3184A2}"/>
               </a:ext>
             </a:extLst>
           </p:cNvPr>
@@ -910,7 +910,7 @@
           <a:bodyPr/>
           <a:lstStyle/>
           <a:p>
-            <a:fld id="{4370A568-126F-4E77-9905-BACDB47F2740}" type="slidenum">
+            <a:fld id="{15B8B6D1-A881-4041-9389-393280CBD316}" type="slidenum">
               <a:rPr lang="zh-CN" altLang="en-US" smtClean="0"/>
               <a:t>‹#›</a:t>
             </a:fld>
@@ -921,7 +921,7 @@
     </p:spTree>
     <p:extLst>
       <p:ext uri="{BB962C8B-B14F-4D97-AF65-F5344CB8AC3E}">
-        <p14:creationId xmlns:p14="http://schemas.microsoft.com/office/powerpoint/2010/main" val="7292115"/>
+        <p14:creationId xmlns:p14="http://schemas.microsoft.com/office/powerpoint/2010/main" val="3256828238"/>
       </p:ext>
     </p:extLst>
   </p:cSld>
@@ -953,7 +953,7 @@
           <p:cNvPr id="2" name="标题 1">
             <a:extLst>
               <a:ext uri="{FF2B5EF4-FFF2-40B4-BE49-F238E27FC236}">
-                <a16:creationId xmlns:a16="http://schemas.microsoft.com/office/drawing/2014/main" id="{31CB9AFA-037D-A72E-B202-1CAC622093D9}"/>
+                <a16:creationId xmlns:a16="http://schemas.microsoft.com/office/drawing/2014/main" id="{6C36B26B-1747-012A-10FB-0F5733CF545A}"/>
               </a:ext>
             </a:extLst>
           </p:cNvPr>
@@ -990,7 +990,7 @@
           <p:cNvPr id="3" name="文本占位符 2">
             <a:extLst>
               <a:ext uri="{FF2B5EF4-FFF2-40B4-BE49-F238E27FC236}">
-                <a16:creationId xmlns:a16="http://schemas.microsoft.com/office/drawing/2014/main" id="{6D5CE7FE-265F-EF9F-D52C-809AB4A98735}"/>
+                <a16:creationId xmlns:a16="http://schemas.microsoft.com/office/drawing/2014/main" id="{5DA6BF73-70CD-1480-9747-2348480B1009}"/>
               </a:ext>
             </a:extLst>
           </p:cNvPr>
@@ -1115,7 +1115,7 @@
           <p:cNvPr id="4" name="日期占位符 3">
             <a:extLst>
               <a:ext uri="{FF2B5EF4-FFF2-40B4-BE49-F238E27FC236}">
-                <a16:creationId xmlns:a16="http://schemas.microsoft.com/office/drawing/2014/main" id="{D361125E-CEFF-3248-50E0-8568013B8DDE}"/>
+                <a16:creationId xmlns:a16="http://schemas.microsoft.com/office/drawing/2014/main" id="{F7E35A7E-63AB-364B-B56D-EF7DEBA0CAFD}"/>
               </a:ext>
             </a:extLst>
           </p:cNvPr>
@@ -1131,7 +1131,7 @@
           <a:bodyPr/>
           <a:lstStyle/>
           <a:p>
-            <a:fld id="{6387A5DD-A061-4BD4-A86D-42EFDD62B337}" type="datetimeFigureOut">
+            <a:fld id="{0AF38B51-B5D2-4C20-8F31-845695982279}" type="datetimeFigureOut">
               <a:rPr lang="zh-CN" altLang="en-US" smtClean="0"/>
               <a:t>2024/3/10</a:t>
             </a:fld>
@@ -1144,7 +1144,7 @@
           <p:cNvPr id="5" name="页脚占位符 4">
             <a:extLst>
               <a:ext uri="{FF2B5EF4-FFF2-40B4-BE49-F238E27FC236}">
-                <a16:creationId xmlns:a16="http://schemas.microsoft.com/office/drawing/2014/main" id="{ADCC55B7-8B20-867D-D2AD-B1DCC3C6FC43}"/>
+                <a16:creationId xmlns:a16="http://schemas.microsoft.com/office/drawing/2014/main" id="{3E756421-3308-68D3-2FAA-A75C857AD85D}"/>
               </a:ext>
             </a:extLst>
           </p:cNvPr>
@@ -1169,7 +1169,7 @@
           <p:cNvPr id="6" name="灯片编号占位符 5">
             <a:extLst>
               <a:ext uri="{FF2B5EF4-FFF2-40B4-BE49-F238E27FC236}">
-                <a16:creationId xmlns:a16="http://schemas.microsoft.com/office/drawing/2014/main" id="{44A39CFE-DFC2-0031-9E92-43F11C2360DF}"/>
+                <a16:creationId xmlns:a16="http://schemas.microsoft.com/office/drawing/2014/main" id="{71A973D0-4E4D-0567-8B3C-D0E3325FC5F3}"/>
               </a:ext>
             </a:extLst>
           </p:cNvPr>
@@ -1185,7 +1185,7 @@
           <a:bodyPr/>
           <a:lstStyle/>
           <a:p>
-            <a:fld id="{4370A568-126F-4E77-9905-BACDB47F2740}" type="slidenum">
+            <a:fld id="{15B8B6D1-A881-4041-9389-393280CBD316}" type="slidenum">
               <a:rPr lang="zh-CN" altLang="en-US" smtClean="0"/>
               <a:t>‹#›</a:t>
             </a:fld>
@@ -1196,7 +1196,7 @@
     </p:spTree>
     <p:extLst>
       <p:ext uri="{BB962C8B-B14F-4D97-AF65-F5344CB8AC3E}">
-        <p14:creationId xmlns:p14="http://schemas.microsoft.com/office/powerpoint/2010/main" val="3342561254"/>
+        <p14:creationId xmlns:p14="http://schemas.microsoft.com/office/powerpoint/2010/main" val="717745991"/>
       </p:ext>
     </p:extLst>
   </p:cSld>
@@ -1228,7 +1228,7 @@
           <p:cNvPr id="2" name="标题 1">
             <a:extLst>
               <a:ext uri="{FF2B5EF4-FFF2-40B4-BE49-F238E27FC236}">
-                <a16:creationId xmlns:a16="http://schemas.microsoft.com/office/drawing/2014/main" id="{EB9D054B-201D-1DBA-F5D4-529CE4CC4B3F}"/>
+                <a16:creationId xmlns:a16="http://schemas.microsoft.com/office/drawing/2014/main" id="{D5ECDB3B-2181-C331-B6F4-F7D974CAFE71}"/>
               </a:ext>
             </a:extLst>
           </p:cNvPr>
@@ -1256,7 +1256,7 @@
           <p:cNvPr id="3" name="内容占位符 2">
             <a:extLst>
               <a:ext uri="{FF2B5EF4-FFF2-40B4-BE49-F238E27FC236}">
-                <a16:creationId xmlns:a16="http://schemas.microsoft.com/office/drawing/2014/main" id="{9C55E0E2-7695-CE77-4173-8EEFF2D18D70}"/>
+                <a16:creationId xmlns:a16="http://schemas.microsoft.com/office/drawing/2014/main" id="{7640773F-9DAC-3C34-F8F8-43AA7B99CA7C}"/>
               </a:ext>
             </a:extLst>
           </p:cNvPr>
@@ -1318,7 +1318,7 @@
           <p:cNvPr id="4" name="内容占位符 3">
             <a:extLst>
               <a:ext uri="{FF2B5EF4-FFF2-40B4-BE49-F238E27FC236}">
-                <a16:creationId xmlns:a16="http://schemas.microsoft.com/office/drawing/2014/main" id="{D03E0B97-F645-354C-AD19-DC5DA80CA9B0}"/>
+                <a16:creationId xmlns:a16="http://schemas.microsoft.com/office/drawing/2014/main" id="{E22E7F91-F086-0D92-7740-79890146F172}"/>
               </a:ext>
             </a:extLst>
           </p:cNvPr>
@@ -1380,7 +1380,7 @@
           <p:cNvPr id="5" name="日期占位符 4">
             <a:extLst>
               <a:ext uri="{FF2B5EF4-FFF2-40B4-BE49-F238E27FC236}">
-                <a16:creationId xmlns:a16="http://schemas.microsoft.com/office/drawing/2014/main" id="{4D1593C2-929D-8F2C-C215-86D2274841E4}"/>
+                <a16:creationId xmlns:a16="http://schemas.microsoft.com/office/drawing/2014/main" id="{CD13E591-DD12-5E51-F7F6-C6560E97874B}"/>
               </a:ext>
             </a:extLst>
           </p:cNvPr>
@@ -1396,7 +1396,7 @@
           <a:bodyPr/>
           <a:lstStyle/>
           <a:p>
-            <a:fld id="{6387A5DD-A061-4BD4-A86D-42EFDD62B337}" type="datetimeFigureOut">
+            <a:fld id="{0AF38B51-B5D2-4C20-8F31-845695982279}" type="datetimeFigureOut">
               <a:rPr lang="zh-CN" altLang="en-US" smtClean="0"/>
               <a:t>2024/3/10</a:t>
             </a:fld>
@@ -1409,7 +1409,7 @@
           <p:cNvPr id="6" name="页脚占位符 5">
             <a:extLst>
               <a:ext uri="{FF2B5EF4-FFF2-40B4-BE49-F238E27FC236}">
-                <a16:creationId xmlns:a16="http://schemas.microsoft.com/office/drawing/2014/main" id="{CE221A80-9740-269C-B7B7-DE011ADA91BC}"/>
+                <a16:creationId xmlns:a16="http://schemas.microsoft.com/office/drawing/2014/main" id="{65A6C682-1483-82A9-6BA1-EB3EF6EF773E}"/>
               </a:ext>
             </a:extLst>
           </p:cNvPr>
@@ -1434,7 +1434,7 @@
           <p:cNvPr id="7" name="灯片编号占位符 6">
             <a:extLst>
               <a:ext uri="{FF2B5EF4-FFF2-40B4-BE49-F238E27FC236}">
-                <a16:creationId xmlns:a16="http://schemas.microsoft.com/office/drawing/2014/main" id="{51BFABF6-D2AE-B66A-2931-9848209562F6}"/>
+                <a16:creationId xmlns:a16="http://schemas.microsoft.com/office/drawing/2014/main" id="{E0B274AD-90D0-043F-C6E5-2AF70640E6E3}"/>
               </a:ext>
             </a:extLst>
           </p:cNvPr>
@@ -1450,7 +1450,7 @@
           <a:bodyPr/>
           <a:lstStyle/>
           <a:p>
-            <a:fld id="{4370A568-126F-4E77-9905-BACDB47F2740}" type="slidenum">
+            <a:fld id="{15B8B6D1-A881-4041-9389-393280CBD316}" type="slidenum">
               <a:rPr lang="zh-CN" altLang="en-US" smtClean="0"/>
               <a:t>‹#›</a:t>
             </a:fld>
@@ -1461,7 +1461,7 @@
     </p:spTree>
     <p:extLst>
       <p:ext uri="{BB962C8B-B14F-4D97-AF65-F5344CB8AC3E}">
-        <p14:creationId xmlns:p14="http://schemas.microsoft.com/office/powerpoint/2010/main" val="857013074"/>
+        <p14:creationId xmlns:p14="http://schemas.microsoft.com/office/powerpoint/2010/main" val="4194916507"/>
       </p:ext>
     </p:extLst>
   </p:cSld>
@@ -1493,7 +1493,7 @@
           <p:cNvPr id="2" name="标题 1">
             <a:extLst>
               <a:ext uri="{FF2B5EF4-FFF2-40B4-BE49-F238E27FC236}">
-                <a16:creationId xmlns:a16="http://schemas.microsoft.com/office/drawing/2014/main" id="{B57E1BA5-0858-B4DA-2602-59EB556A7024}"/>
+                <a16:creationId xmlns:a16="http://schemas.microsoft.com/office/drawing/2014/main" id="{1E537490-496B-F899-2FE7-47FA11CBE826}"/>
               </a:ext>
             </a:extLst>
           </p:cNvPr>
@@ -1526,7 +1526,7 @@
           <p:cNvPr id="3" name="文本占位符 2">
             <a:extLst>
               <a:ext uri="{FF2B5EF4-FFF2-40B4-BE49-F238E27FC236}">
-                <a16:creationId xmlns:a16="http://schemas.microsoft.com/office/drawing/2014/main" id="{0617AB9A-28D9-1144-A2E8-9CE7BCF82D73}"/>
+                <a16:creationId xmlns:a16="http://schemas.microsoft.com/office/drawing/2014/main" id="{399A2568-2976-1FBD-CB0D-B188D71D20D2}"/>
               </a:ext>
             </a:extLst>
           </p:cNvPr>
@@ -1597,7 +1597,7 @@
           <p:cNvPr id="4" name="内容占位符 3">
             <a:extLst>
               <a:ext uri="{FF2B5EF4-FFF2-40B4-BE49-F238E27FC236}">
-                <a16:creationId xmlns:a16="http://schemas.microsoft.com/office/drawing/2014/main" id="{0452723D-DC26-C402-7EF5-A44588432128}"/>
+                <a16:creationId xmlns:a16="http://schemas.microsoft.com/office/drawing/2014/main" id="{CA47B2EC-51B5-9EE3-180F-DBF90B7E4EFC}"/>
               </a:ext>
             </a:extLst>
           </p:cNvPr>
@@ -1659,7 +1659,7 @@
           <p:cNvPr id="5" name="文本占位符 4">
             <a:extLst>
               <a:ext uri="{FF2B5EF4-FFF2-40B4-BE49-F238E27FC236}">
-                <a16:creationId xmlns:a16="http://schemas.microsoft.com/office/drawing/2014/main" id="{7C042F46-8A4C-EE47-D83D-F20ABA7A6926}"/>
+                <a16:creationId xmlns:a16="http://schemas.microsoft.com/office/drawing/2014/main" id="{D1A14DCC-DEFD-E862-3C5C-CBD8A0B7F459}"/>
               </a:ext>
             </a:extLst>
           </p:cNvPr>
@@ -1730,7 +1730,7 @@
           <p:cNvPr id="6" name="内容占位符 5">
             <a:extLst>
               <a:ext uri="{FF2B5EF4-FFF2-40B4-BE49-F238E27FC236}">
-                <a16:creationId xmlns:a16="http://schemas.microsoft.com/office/drawing/2014/main" id="{2E7B3823-A724-BB55-E492-4C9BA04E5466}"/>
+                <a16:creationId xmlns:a16="http://schemas.microsoft.com/office/drawing/2014/main" id="{2F418C30-B42D-87BB-8474-B5718BF239F2}"/>
               </a:ext>
             </a:extLst>
           </p:cNvPr>
@@ -1792,7 +1792,7 @@
           <p:cNvPr id="7" name="日期占位符 6">
             <a:extLst>
               <a:ext uri="{FF2B5EF4-FFF2-40B4-BE49-F238E27FC236}">
-                <a16:creationId xmlns:a16="http://schemas.microsoft.com/office/drawing/2014/main" id="{0ED11772-0C4E-B719-D503-B5DEE27758FB}"/>
+                <a16:creationId xmlns:a16="http://schemas.microsoft.com/office/drawing/2014/main" id="{6745731F-9BAC-F72D-3C04-38CB3D51E5C4}"/>
               </a:ext>
             </a:extLst>
           </p:cNvPr>
@@ -1808,7 +1808,7 @@
           <a:bodyPr/>
           <a:lstStyle/>
           <a:p>
-            <a:fld id="{6387A5DD-A061-4BD4-A86D-42EFDD62B337}" type="datetimeFigureOut">
+            <a:fld id="{0AF38B51-B5D2-4C20-8F31-845695982279}" type="datetimeFigureOut">
               <a:rPr lang="zh-CN" altLang="en-US" smtClean="0"/>
               <a:t>2024/3/10</a:t>
             </a:fld>
@@ -1821,7 +1821,7 @@
           <p:cNvPr id="8" name="页脚占位符 7">
             <a:extLst>
               <a:ext uri="{FF2B5EF4-FFF2-40B4-BE49-F238E27FC236}">
-                <a16:creationId xmlns:a16="http://schemas.microsoft.com/office/drawing/2014/main" id="{CCABF144-57F9-8E3F-1017-C6339932AC05}"/>
+                <a16:creationId xmlns:a16="http://schemas.microsoft.com/office/drawing/2014/main" id="{7C0D132D-1700-B5FB-C19A-1A4BB1F4A95D}"/>
               </a:ext>
             </a:extLst>
           </p:cNvPr>
@@ -1846,7 +1846,7 @@
           <p:cNvPr id="9" name="灯片编号占位符 8">
             <a:extLst>
               <a:ext uri="{FF2B5EF4-FFF2-40B4-BE49-F238E27FC236}">
-                <a16:creationId xmlns:a16="http://schemas.microsoft.com/office/drawing/2014/main" id="{8A94EABF-2879-D860-DCA4-32B3108BD7B2}"/>
+                <a16:creationId xmlns:a16="http://schemas.microsoft.com/office/drawing/2014/main" id="{6FB73C3D-D040-8A6D-AE7F-CCE06F4F6A6C}"/>
               </a:ext>
             </a:extLst>
           </p:cNvPr>
@@ -1862,7 +1862,7 @@
           <a:bodyPr/>
           <a:lstStyle/>
           <a:p>
-            <a:fld id="{4370A568-126F-4E77-9905-BACDB47F2740}" type="slidenum">
+            <a:fld id="{15B8B6D1-A881-4041-9389-393280CBD316}" type="slidenum">
               <a:rPr lang="zh-CN" altLang="en-US" smtClean="0"/>
               <a:t>‹#›</a:t>
             </a:fld>
@@ -1873,7 +1873,7 @@
     </p:spTree>
     <p:extLst>
       <p:ext uri="{BB962C8B-B14F-4D97-AF65-F5344CB8AC3E}">
-        <p14:creationId xmlns:p14="http://schemas.microsoft.com/office/powerpoint/2010/main" val="4037984670"/>
+        <p14:creationId xmlns:p14="http://schemas.microsoft.com/office/powerpoint/2010/main" val="4281375154"/>
       </p:ext>
     </p:extLst>
   </p:cSld>
@@ -1905,7 +1905,7 @@
           <p:cNvPr id="2" name="标题 1">
             <a:extLst>
               <a:ext uri="{FF2B5EF4-FFF2-40B4-BE49-F238E27FC236}">
-                <a16:creationId xmlns:a16="http://schemas.microsoft.com/office/drawing/2014/main" id="{4754A598-9833-733E-4278-59DC10D5FBAD}"/>
+                <a16:creationId xmlns:a16="http://schemas.microsoft.com/office/drawing/2014/main" id="{0E2418F2-2071-AB71-8E8F-857368F16BEE}"/>
               </a:ext>
             </a:extLst>
           </p:cNvPr>
@@ -1933,7 +1933,7 @@
           <p:cNvPr id="3" name="日期占位符 2">
             <a:extLst>
               <a:ext uri="{FF2B5EF4-FFF2-40B4-BE49-F238E27FC236}">
-                <a16:creationId xmlns:a16="http://schemas.microsoft.com/office/drawing/2014/main" id="{812D0B53-9633-629F-D1DE-5322112F7B47}"/>
+                <a16:creationId xmlns:a16="http://schemas.microsoft.com/office/drawing/2014/main" id="{1FDE795F-A0EB-350D-0174-90282DFD013C}"/>
               </a:ext>
             </a:extLst>
           </p:cNvPr>
@@ -1949,7 +1949,7 @@
           <a:bodyPr/>
           <a:lstStyle/>
           <a:p>
-            <a:fld id="{6387A5DD-A061-4BD4-A86D-42EFDD62B337}" type="datetimeFigureOut">
+            <a:fld id="{0AF38B51-B5D2-4C20-8F31-845695982279}" type="datetimeFigureOut">
               <a:rPr lang="zh-CN" altLang="en-US" smtClean="0"/>
               <a:t>2024/3/10</a:t>
             </a:fld>
@@ -1962,7 +1962,7 @@
           <p:cNvPr id="4" name="页脚占位符 3">
             <a:extLst>
               <a:ext uri="{FF2B5EF4-FFF2-40B4-BE49-F238E27FC236}">
-                <a16:creationId xmlns:a16="http://schemas.microsoft.com/office/drawing/2014/main" id="{2E3D81BF-B79D-70EC-779E-A61A992A77C2}"/>
+                <a16:creationId xmlns:a16="http://schemas.microsoft.com/office/drawing/2014/main" id="{42CD9BE7-485F-25FE-58D7-136ED8AE800D}"/>
               </a:ext>
             </a:extLst>
           </p:cNvPr>
@@ -1987,7 +1987,7 @@
           <p:cNvPr id="5" name="灯片编号占位符 4">
             <a:extLst>
               <a:ext uri="{FF2B5EF4-FFF2-40B4-BE49-F238E27FC236}">
-                <a16:creationId xmlns:a16="http://schemas.microsoft.com/office/drawing/2014/main" id="{F21B6FA2-37B6-03D9-5746-053DFBFC0C68}"/>
+                <a16:creationId xmlns:a16="http://schemas.microsoft.com/office/drawing/2014/main" id="{7EEEF554-B6A6-BD1F-7191-D042F4B10A4C}"/>
               </a:ext>
             </a:extLst>
           </p:cNvPr>
@@ -2003,7 +2003,7 @@
           <a:bodyPr/>
           <a:lstStyle/>
           <a:p>
-            <a:fld id="{4370A568-126F-4E77-9905-BACDB47F2740}" type="slidenum">
+            <a:fld id="{15B8B6D1-A881-4041-9389-393280CBD316}" type="slidenum">
               <a:rPr lang="zh-CN" altLang="en-US" smtClean="0"/>
               <a:t>‹#›</a:t>
             </a:fld>
@@ -2014,7 +2014,7 @@
     </p:spTree>
     <p:extLst>
       <p:ext uri="{BB962C8B-B14F-4D97-AF65-F5344CB8AC3E}">
-        <p14:creationId xmlns:p14="http://schemas.microsoft.com/office/powerpoint/2010/main" val="185176071"/>
+        <p14:creationId xmlns:p14="http://schemas.microsoft.com/office/powerpoint/2010/main" val="322964899"/>
       </p:ext>
     </p:extLst>
   </p:cSld>
@@ -2046,7 +2046,7 @@
           <p:cNvPr id="2" name="日期占位符 1">
             <a:extLst>
               <a:ext uri="{FF2B5EF4-FFF2-40B4-BE49-F238E27FC236}">
-                <a16:creationId xmlns:a16="http://schemas.microsoft.com/office/drawing/2014/main" id="{5B9FEBBF-8BD8-5720-D8C4-9582DDE9D512}"/>
+                <a16:creationId xmlns:a16="http://schemas.microsoft.com/office/drawing/2014/main" id="{1770EBCB-F5F0-1E5F-0FA3-865D4CF7F1C7}"/>
               </a:ext>
             </a:extLst>
           </p:cNvPr>
@@ -2062,7 +2062,7 @@
           <a:bodyPr/>
           <a:lstStyle/>
           <a:p>
-            <a:fld id="{6387A5DD-A061-4BD4-A86D-42EFDD62B337}" type="datetimeFigureOut">
+            <a:fld id="{0AF38B51-B5D2-4C20-8F31-845695982279}" type="datetimeFigureOut">
               <a:rPr lang="zh-CN" altLang="en-US" smtClean="0"/>
               <a:t>2024/3/10</a:t>
             </a:fld>
@@ -2075,7 +2075,7 @@
           <p:cNvPr id="3" name="页脚占位符 2">
             <a:extLst>
               <a:ext uri="{FF2B5EF4-FFF2-40B4-BE49-F238E27FC236}">
-                <a16:creationId xmlns:a16="http://schemas.microsoft.com/office/drawing/2014/main" id="{EF6219B5-A696-3F78-8FC3-690119BFFB5A}"/>
+                <a16:creationId xmlns:a16="http://schemas.microsoft.com/office/drawing/2014/main" id="{B34B9B45-5953-5041-284D-F7C2C63EB0C4}"/>
               </a:ext>
             </a:extLst>
           </p:cNvPr>
@@ -2100,7 +2100,7 @@
           <p:cNvPr id="4" name="灯片编号占位符 3">
             <a:extLst>
               <a:ext uri="{FF2B5EF4-FFF2-40B4-BE49-F238E27FC236}">
-                <a16:creationId xmlns:a16="http://schemas.microsoft.com/office/drawing/2014/main" id="{D958CD71-E1C5-EC53-E4B4-C32ADCEB147B}"/>
+                <a16:creationId xmlns:a16="http://schemas.microsoft.com/office/drawing/2014/main" id="{E8DAD616-4DE6-00C4-6FAA-8EA5DA034360}"/>
               </a:ext>
             </a:extLst>
           </p:cNvPr>
@@ -2116,7 +2116,7 @@
           <a:bodyPr/>
           <a:lstStyle/>
           <a:p>
-            <a:fld id="{4370A568-126F-4E77-9905-BACDB47F2740}" type="slidenum">
+            <a:fld id="{15B8B6D1-A881-4041-9389-393280CBD316}" type="slidenum">
               <a:rPr lang="zh-CN" altLang="en-US" smtClean="0"/>
               <a:t>‹#›</a:t>
             </a:fld>
@@ -2127,7 +2127,7 @@
     </p:spTree>
     <p:extLst>
       <p:ext uri="{BB962C8B-B14F-4D97-AF65-F5344CB8AC3E}">
-        <p14:creationId xmlns:p14="http://schemas.microsoft.com/office/powerpoint/2010/main" val="2895589680"/>
+        <p14:creationId xmlns:p14="http://schemas.microsoft.com/office/powerpoint/2010/main" val="1886900400"/>
       </p:ext>
     </p:extLst>
   </p:cSld>
@@ -2159,7 +2159,7 @@
           <p:cNvPr id="2" name="标题 1">
             <a:extLst>
               <a:ext uri="{FF2B5EF4-FFF2-40B4-BE49-F238E27FC236}">
-                <a16:creationId xmlns:a16="http://schemas.microsoft.com/office/drawing/2014/main" id="{06D9FC9E-FF8A-F5A9-626A-623EF78E1B09}"/>
+                <a16:creationId xmlns:a16="http://schemas.microsoft.com/office/drawing/2014/main" id="{41EC20B6-5328-4152-0CA2-49254A1FD4DC}"/>
               </a:ext>
             </a:extLst>
           </p:cNvPr>
@@ -2196,7 +2196,7 @@
           <p:cNvPr id="3" name="内容占位符 2">
             <a:extLst>
               <a:ext uri="{FF2B5EF4-FFF2-40B4-BE49-F238E27FC236}">
-                <a16:creationId xmlns:a16="http://schemas.microsoft.com/office/drawing/2014/main" id="{49FE8BBA-EAC0-DEB8-50B2-6D4270D4929F}"/>
+                <a16:creationId xmlns:a16="http://schemas.microsoft.com/office/drawing/2014/main" id="{5AC8AE18-D4BD-8A9E-662B-2EEA7879838F}"/>
               </a:ext>
             </a:extLst>
           </p:cNvPr>
@@ -2286,7 +2286,7 @@
           <p:cNvPr id="4" name="文本占位符 3">
             <a:extLst>
               <a:ext uri="{FF2B5EF4-FFF2-40B4-BE49-F238E27FC236}">
-                <a16:creationId xmlns:a16="http://schemas.microsoft.com/office/drawing/2014/main" id="{12DEA240-694F-38BF-370D-60379507F684}"/>
+                <a16:creationId xmlns:a16="http://schemas.microsoft.com/office/drawing/2014/main" id="{A0059158-C4BC-3E5C-301D-BEE884B23AC3}"/>
               </a:ext>
             </a:extLst>
           </p:cNvPr>
@@ -2357,7 +2357,7 @@
           <p:cNvPr id="5" name="日期占位符 4">
             <a:extLst>
               <a:ext uri="{FF2B5EF4-FFF2-40B4-BE49-F238E27FC236}">
-                <a16:creationId xmlns:a16="http://schemas.microsoft.com/office/drawing/2014/main" id="{32A3ABBF-9432-A3CE-5C71-D445EC4374C7}"/>
+                <a16:creationId xmlns:a16="http://schemas.microsoft.com/office/drawing/2014/main" id="{74EE2B5E-01B3-0627-A22A-91D71C4ACF64}"/>
               </a:ext>
             </a:extLst>
           </p:cNvPr>
@@ -2373,7 +2373,7 @@
           <a:bodyPr/>
           <a:lstStyle/>
           <a:p>
-            <a:fld id="{6387A5DD-A061-4BD4-A86D-42EFDD62B337}" type="datetimeFigureOut">
+            <a:fld id="{0AF38B51-B5D2-4C20-8F31-845695982279}" type="datetimeFigureOut">
               <a:rPr lang="zh-CN" altLang="en-US" smtClean="0"/>
               <a:t>2024/3/10</a:t>
             </a:fld>
@@ -2386,7 +2386,7 @@
           <p:cNvPr id="6" name="页脚占位符 5">
             <a:extLst>
               <a:ext uri="{FF2B5EF4-FFF2-40B4-BE49-F238E27FC236}">
-                <a16:creationId xmlns:a16="http://schemas.microsoft.com/office/drawing/2014/main" id="{27A4ADAE-33C9-732A-5244-82E17894B099}"/>
+                <a16:creationId xmlns:a16="http://schemas.microsoft.com/office/drawing/2014/main" id="{B007A255-AB92-BDE2-0CE7-99AD9CF166B7}"/>
               </a:ext>
             </a:extLst>
           </p:cNvPr>
@@ -2411,7 +2411,7 @@
           <p:cNvPr id="7" name="灯片编号占位符 6">
             <a:extLst>
               <a:ext uri="{FF2B5EF4-FFF2-40B4-BE49-F238E27FC236}">
-                <a16:creationId xmlns:a16="http://schemas.microsoft.com/office/drawing/2014/main" id="{52ECA50D-FAF1-E1DF-AF38-E857598D79BA}"/>
+                <a16:creationId xmlns:a16="http://schemas.microsoft.com/office/drawing/2014/main" id="{1DF24AD4-13F4-3993-3366-C806A1519B64}"/>
               </a:ext>
             </a:extLst>
           </p:cNvPr>
@@ -2427,7 +2427,7 @@
           <a:bodyPr/>
           <a:lstStyle/>
           <a:p>
-            <a:fld id="{4370A568-126F-4E77-9905-BACDB47F2740}" type="slidenum">
+            <a:fld id="{15B8B6D1-A881-4041-9389-393280CBD316}" type="slidenum">
               <a:rPr lang="zh-CN" altLang="en-US" smtClean="0"/>
               <a:t>‹#›</a:t>
             </a:fld>
@@ -2438,7 +2438,7 @@
     </p:spTree>
     <p:extLst>
       <p:ext uri="{BB962C8B-B14F-4D97-AF65-F5344CB8AC3E}">
-        <p14:creationId xmlns:p14="http://schemas.microsoft.com/office/powerpoint/2010/main" val="2634771355"/>
+        <p14:creationId xmlns:p14="http://schemas.microsoft.com/office/powerpoint/2010/main" val="65072496"/>
       </p:ext>
     </p:extLst>
   </p:cSld>
@@ -2470,7 +2470,7 @@
           <p:cNvPr id="2" name="标题 1">
             <a:extLst>
               <a:ext uri="{FF2B5EF4-FFF2-40B4-BE49-F238E27FC236}">
-                <a16:creationId xmlns:a16="http://schemas.microsoft.com/office/drawing/2014/main" id="{B7E719E3-CD6D-7C9F-2AF7-E7548E5B72E8}"/>
+                <a16:creationId xmlns:a16="http://schemas.microsoft.com/office/drawing/2014/main" id="{27F51C21-1802-F1BD-33DE-C3AB28251EED}"/>
               </a:ext>
             </a:extLst>
           </p:cNvPr>
@@ -2507,7 +2507,7 @@
           <p:cNvPr id="3" name="图片占位符 2">
             <a:extLst>
               <a:ext uri="{FF2B5EF4-FFF2-40B4-BE49-F238E27FC236}">
-                <a16:creationId xmlns:a16="http://schemas.microsoft.com/office/drawing/2014/main" id="{CBC299F5-C562-99DA-05F4-407B9643F4D5}"/>
+                <a16:creationId xmlns:a16="http://schemas.microsoft.com/office/drawing/2014/main" id="{9977902D-3057-102C-B0E8-A5D13F69EA9E}"/>
               </a:ext>
             </a:extLst>
           </p:cNvPr>
@@ -2574,7 +2574,7 @@
           <p:cNvPr id="4" name="文本占位符 3">
             <a:extLst>
               <a:ext uri="{FF2B5EF4-FFF2-40B4-BE49-F238E27FC236}">
-                <a16:creationId xmlns:a16="http://schemas.microsoft.com/office/drawing/2014/main" id="{D6C52D52-5972-FE59-419D-3B36B422D9F3}"/>
+                <a16:creationId xmlns:a16="http://schemas.microsoft.com/office/drawing/2014/main" id="{C19E4456-E3DB-3E49-7F86-1DB327ED235E}"/>
               </a:ext>
             </a:extLst>
           </p:cNvPr>
@@ -2645,7 +2645,7 @@
           <p:cNvPr id="5" name="日期占位符 4">
             <a:extLst>
               <a:ext uri="{FF2B5EF4-FFF2-40B4-BE49-F238E27FC236}">
-                <a16:creationId xmlns:a16="http://schemas.microsoft.com/office/drawing/2014/main" id="{B41FF1D1-244A-677B-5F0F-ECBA517CD319}"/>
+                <a16:creationId xmlns:a16="http://schemas.microsoft.com/office/drawing/2014/main" id="{0B1CCA4A-B037-6B4D-B841-9EAB54FD246C}"/>
               </a:ext>
             </a:extLst>
           </p:cNvPr>
@@ -2661,7 +2661,7 @@
           <a:bodyPr/>
           <a:lstStyle/>
           <a:p>
-            <a:fld id="{6387A5DD-A061-4BD4-A86D-42EFDD62B337}" type="datetimeFigureOut">
+            <a:fld id="{0AF38B51-B5D2-4C20-8F31-845695982279}" type="datetimeFigureOut">
               <a:rPr lang="zh-CN" altLang="en-US" smtClean="0"/>
               <a:t>2024/3/10</a:t>
             </a:fld>
@@ -2674,7 +2674,7 @@
           <p:cNvPr id="6" name="页脚占位符 5">
             <a:extLst>
               <a:ext uri="{FF2B5EF4-FFF2-40B4-BE49-F238E27FC236}">
-                <a16:creationId xmlns:a16="http://schemas.microsoft.com/office/drawing/2014/main" id="{A6F39760-C345-7FBE-0149-A0BDCFE2CDC6}"/>
+                <a16:creationId xmlns:a16="http://schemas.microsoft.com/office/drawing/2014/main" id="{D446A2A2-AE7D-8D80-A18E-0BDF1AF39D69}"/>
               </a:ext>
             </a:extLst>
           </p:cNvPr>
@@ -2699,7 +2699,7 @@
           <p:cNvPr id="7" name="灯片编号占位符 6">
             <a:extLst>
               <a:ext uri="{FF2B5EF4-FFF2-40B4-BE49-F238E27FC236}">
-                <a16:creationId xmlns:a16="http://schemas.microsoft.com/office/drawing/2014/main" id="{8112B375-6E7C-0356-EBA1-F1D3CCC3E486}"/>
+                <a16:creationId xmlns:a16="http://schemas.microsoft.com/office/drawing/2014/main" id="{3BE24DA3-4930-2F2D-C79F-D61B6CED4D49}"/>
               </a:ext>
             </a:extLst>
           </p:cNvPr>
@@ -2715,7 +2715,7 @@
           <a:bodyPr/>
           <a:lstStyle/>
           <a:p>
-            <a:fld id="{4370A568-126F-4E77-9905-BACDB47F2740}" type="slidenum">
+            <a:fld id="{15B8B6D1-A881-4041-9389-393280CBD316}" type="slidenum">
               <a:rPr lang="zh-CN" altLang="en-US" smtClean="0"/>
               <a:t>‹#›</a:t>
             </a:fld>
@@ -2726,7 +2726,7 @@
     </p:spTree>
     <p:extLst>
       <p:ext uri="{BB962C8B-B14F-4D97-AF65-F5344CB8AC3E}">
-        <p14:creationId xmlns:p14="http://schemas.microsoft.com/office/powerpoint/2010/main" val="1450254595"/>
+        <p14:creationId xmlns:p14="http://schemas.microsoft.com/office/powerpoint/2010/main" val="1227150215"/>
       </p:ext>
     </p:extLst>
   </p:cSld>
@@ -2763,7 +2763,7 @@
           <p:cNvPr id="2" name="标题占位符 1">
             <a:extLst>
               <a:ext uri="{FF2B5EF4-FFF2-40B4-BE49-F238E27FC236}">
-                <a16:creationId xmlns:a16="http://schemas.microsoft.com/office/drawing/2014/main" id="{3C7CCDC7-6FC3-7FB8-1778-3C776785EC4A}"/>
+                <a16:creationId xmlns:a16="http://schemas.microsoft.com/office/drawing/2014/main" id="{5D0594E2-95CA-9B8E-D645-487874A37A75}"/>
               </a:ext>
             </a:extLst>
           </p:cNvPr>
@@ -2801,7 +2801,7 @@
           <p:cNvPr id="3" name="文本占位符 2">
             <a:extLst>
               <a:ext uri="{FF2B5EF4-FFF2-40B4-BE49-F238E27FC236}">
-                <a16:creationId xmlns:a16="http://schemas.microsoft.com/office/drawing/2014/main" id="{73F78D1D-7530-FF5C-AB40-1147ACF60711}"/>
+                <a16:creationId xmlns:a16="http://schemas.microsoft.com/office/drawing/2014/main" id="{9971C318-A57A-CFBE-50DB-F10C23E26770}"/>
               </a:ext>
             </a:extLst>
           </p:cNvPr>
@@ -2868,7 +2868,7 @@
           <p:cNvPr id="4" name="日期占位符 3">
             <a:extLst>
               <a:ext uri="{FF2B5EF4-FFF2-40B4-BE49-F238E27FC236}">
-                <a16:creationId xmlns:a16="http://schemas.microsoft.com/office/drawing/2014/main" id="{DF6A2966-1456-C5B6-E612-900F2ABD38D0}"/>
+                <a16:creationId xmlns:a16="http://schemas.microsoft.com/office/drawing/2014/main" id="{76ACEBE9-7727-97EE-D805-E52529839707}"/>
               </a:ext>
             </a:extLst>
           </p:cNvPr>
@@ -2902,7 +2902,7 @@
             </a:lvl1pPr>
           </a:lstStyle>
           <a:p>
-            <a:fld id="{6387A5DD-A061-4BD4-A86D-42EFDD62B337}" type="datetimeFigureOut">
+            <a:fld id="{0AF38B51-B5D2-4C20-8F31-845695982279}" type="datetimeFigureOut">
               <a:rPr lang="zh-CN" altLang="en-US" smtClean="0"/>
               <a:t>2024/3/10</a:t>
             </a:fld>
@@ -2915,7 +2915,7 @@
           <p:cNvPr id="5" name="页脚占位符 4">
             <a:extLst>
               <a:ext uri="{FF2B5EF4-FFF2-40B4-BE49-F238E27FC236}">
-                <a16:creationId xmlns:a16="http://schemas.microsoft.com/office/drawing/2014/main" id="{AD38A5D2-0765-2511-58A3-C7BB9271CB0B}"/>
+                <a16:creationId xmlns:a16="http://schemas.microsoft.com/office/drawing/2014/main" id="{C1061DB7-6C9E-F4DE-7409-18122C84958E}"/>
               </a:ext>
             </a:extLst>
           </p:cNvPr>
@@ -2958,7 +2958,7 @@
           <p:cNvPr id="6" name="灯片编号占位符 5">
             <a:extLst>
               <a:ext uri="{FF2B5EF4-FFF2-40B4-BE49-F238E27FC236}">
-                <a16:creationId xmlns:a16="http://schemas.microsoft.com/office/drawing/2014/main" id="{557EA2B4-225A-15DC-C722-C0CE47E37301}"/>
+                <a16:creationId xmlns:a16="http://schemas.microsoft.com/office/drawing/2014/main" id="{ED7AA9A2-34CD-6457-97F3-F989A2A94267}"/>
               </a:ext>
             </a:extLst>
           </p:cNvPr>
@@ -2992,7 +2992,7 @@
             </a:lvl1pPr>
           </a:lstStyle>
           <a:p>
-            <a:fld id="{4370A568-126F-4E77-9905-BACDB47F2740}" type="slidenum">
+            <a:fld id="{15B8B6D1-A881-4041-9389-393280CBD316}" type="slidenum">
               <a:rPr lang="zh-CN" altLang="en-US" smtClean="0"/>
               <a:t>‹#›</a:t>
             </a:fld>
@@ -3003,7 +3003,7 @@
     </p:spTree>
     <p:extLst>
       <p:ext uri="{BB962C8B-B14F-4D97-AF65-F5344CB8AC3E}">
-        <p14:creationId xmlns:p14="http://schemas.microsoft.com/office/powerpoint/2010/main" val="1069427576"/>
+        <p14:creationId xmlns:p14="http://schemas.microsoft.com/office/powerpoint/2010/main" val="1291774744"/>
       </p:ext>
     </p:extLst>
   </p:cSld>
